--- a/plots/water_mediated_hydrogen_bonds/combined.pptx
+++ b/plots/water_mediated_hydrogen_bonds/combined.pptx
@@ -2977,6 +2977,35 @@
           <a:chExt cx="0" cy="0"/>
         </a:xfrm>
       </p:grpSpPr>
+      <p:pic>
+        <p:nvPicPr>
+          <p:cNvPr id="49" name="Picture 48">
+            <a:extLst>
+              <a:ext uri="{FF2B5EF4-FFF2-40B4-BE49-F238E27FC236}">
+                <a16:creationId xmlns:a16="http://schemas.microsoft.com/office/drawing/2014/main" id="{3D4CC7BC-BDAF-DFF2-B4B4-5BAABBE57EC4}"/>
+              </a:ext>
+            </a:extLst>
+          </p:cNvPr>
+          <p:cNvPicPr>
+            <a:picLocks noChangeAspect="1"/>
+          </p:cNvPicPr>
+          <p:nvPr/>
+        </p:nvPicPr>
+        <p:blipFill rotWithShape="1">
+          <a:blip r:embed="rId2"/>
+          <a:srcRect t="14764"/>
+          <a:stretch/>
+        </p:blipFill>
+        <p:spPr>
+          <a:xfrm>
+            <a:off x="2351062" y="0"/>
+            <a:ext cx="2287116" cy="1949450"/>
+          </a:xfrm>
+          <a:prstGeom prst="rect">
+            <a:avLst/>
+          </a:prstGeom>
+        </p:spPr>
+      </p:pic>
       <p:grpSp>
         <p:nvGrpSpPr>
           <p:cNvPr id="20" name="Group 19">
@@ -3014,42 +3043,13 @@
             <p:nvPr/>
           </p:nvPicPr>
           <p:blipFill rotWithShape="1">
-            <a:blip r:embed="rId2"/>
+            <a:blip r:embed="rId3"/>
             <a:srcRect t="14722"/>
             <a:stretch/>
           </p:blipFill>
           <p:spPr>
             <a:xfrm>
               <a:off x="2230120" y="1084143"/>
-              <a:ext cx="2809240" cy="2395657"/>
-            </a:xfrm>
-            <a:prstGeom prst="rect">
-              <a:avLst/>
-            </a:prstGeom>
-          </p:spPr>
-        </p:pic>
-        <p:pic>
-          <p:nvPicPr>
-            <p:cNvPr id="17" name="Picture 16">
-              <a:extLst>
-                <a:ext uri="{FF2B5EF4-FFF2-40B4-BE49-F238E27FC236}">
-                  <a16:creationId xmlns:a16="http://schemas.microsoft.com/office/drawing/2014/main" id="{2C1443BA-B9F5-1015-59B7-373111C08CB8}"/>
-                </a:ext>
-              </a:extLst>
-            </p:cNvPr>
-            <p:cNvPicPr>
-              <a:picLocks noChangeAspect="1"/>
-            </p:cNvPicPr>
-            <p:nvPr/>
-          </p:nvPicPr>
-          <p:blipFill rotWithShape="1">
-            <a:blip r:embed="rId3"/>
-            <a:srcRect t="14722"/>
-            <a:stretch/>
-          </p:blipFill>
-          <p:spPr>
-            <a:xfrm>
-              <a:off x="5039360" y="1084143"/>
               <a:ext cx="2809240" cy="2395657"/>
             </a:xfrm>
             <a:prstGeom prst="rect">
